--- a/9-project/진행 파일/주간 커-피_진행.pptx
+++ b/9-project/진행 파일/주간 커-피_진행.pptx
@@ -233,7 +233,7 @@
           <a:p>
             <a:fld id="{33BC4233-E253-4715-990C-E546A8AAD7A9}" type="datetimeFigureOut">
               <a:rPr lang="ko-KR" altLang="en-US" smtClean="0"/>
-              <a:t>2021-10-22</a:t>
+              <a:t>2021-10-29</a:t>
             </a:fld>
             <a:endParaRPr lang="ko-KR" altLang="en-US"/>
           </a:p>
@@ -5384,7 +5384,7 @@
           <a:p>
             <a:fld id="{C6CBE35F-5DB0-4705-BDD8-6E14DE5380AF}" type="datetimeFigureOut">
               <a:rPr lang="ko-KR" altLang="en-US" smtClean="0"/>
-              <a:t>2021-10-22</a:t>
+              <a:t>2021-10-29</a:t>
             </a:fld>
             <a:endParaRPr lang="ko-KR" altLang="en-US"/>
           </a:p>
@@ -5582,7 +5582,7 @@
           <a:p>
             <a:fld id="{C6CBE35F-5DB0-4705-BDD8-6E14DE5380AF}" type="datetimeFigureOut">
               <a:rPr lang="ko-KR" altLang="en-US" smtClean="0"/>
-              <a:t>2021-10-22</a:t>
+              <a:t>2021-10-29</a:t>
             </a:fld>
             <a:endParaRPr lang="ko-KR" altLang="en-US"/>
           </a:p>
@@ -5790,7 +5790,7 @@
           <a:p>
             <a:fld id="{C6CBE35F-5DB0-4705-BDD8-6E14DE5380AF}" type="datetimeFigureOut">
               <a:rPr lang="ko-KR" altLang="en-US" smtClean="0"/>
-              <a:t>2021-10-22</a:t>
+              <a:t>2021-10-29</a:t>
             </a:fld>
             <a:endParaRPr lang="ko-KR" altLang="en-US"/>
           </a:p>
@@ -5988,7 +5988,7 @@
           <a:p>
             <a:fld id="{C6CBE35F-5DB0-4705-BDD8-6E14DE5380AF}" type="datetimeFigureOut">
               <a:rPr lang="ko-KR" altLang="en-US" smtClean="0"/>
-              <a:t>2021-10-22</a:t>
+              <a:t>2021-10-29</a:t>
             </a:fld>
             <a:endParaRPr lang="ko-KR" altLang="en-US"/>
           </a:p>
@@ -6263,7 +6263,7 @@
           <a:p>
             <a:fld id="{C6CBE35F-5DB0-4705-BDD8-6E14DE5380AF}" type="datetimeFigureOut">
               <a:rPr lang="ko-KR" altLang="en-US" smtClean="0"/>
-              <a:t>2021-10-22</a:t>
+              <a:t>2021-10-29</a:t>
             </a:fld>
             <a:endParaRPr lang="ko-KR" altLang="en-US"/>
           </a:p>
@@ -6528,7 +6528,7 @@
           <a:p>
             <a:fld id="{C6CBE35F-5DB0-4705-BDD8-6E14DE5380AF}" type="datetimeFigureOut">
               <a:rPr lang="ko-KR" altLang="en-US" smtClean="0"/>
-              <a:t>2021-10-22</a:t>
+              <a:t>2021-10-29</a:t>
             </a:fld>
             <a:endParaRPr lang="ko-KR" altLang="en-US"/>
           </a:p>
@@ -6940,7 +6940,7 @@
           <a:p>
             <a:fld id="{C6CBE35F-5DB0-4705-BDD8-6E14DE5380AF}" type="datetimeFigureOut">
               <a:rPr lang="ko-KR" altLang="en-US" smtClean="0"/>
-              <a:t>2021-10-22</a:t>
+              <a:t>2021-10-29</a:t>
             </a:fld>
             <a:endParaRPr lang="ko-KR" altLang="en-US"/>
           </a:p>
@@ -7081,7 +7081,7 @@
           <a:p>
             <a:fld id="{C6CBE35F-5DB0-4705-BDD8-6E14DE5380AF}" type="datetimeFigureOut">
               <a:rPr lang="ko-KR" altLang="en-US" smtClean="0"/>
-              <a:t>2021-10-22</a:t>
+              <a:t>2021-10-29</a:t>
             </a:fld>
             <a:endParaRPr lang="ko-KR" altLang="en-US"/>
           </a:p>
@@ -7194,7 +7194,7 @@
           <a:p>
             <a:fld id="{C6CBE35F-5DB0-4705-BDD8-6E14DE5380AF}" type="datetimeFigureOut">
               <a:rPr lang="ko-KR" altLang="en-US" smtClean="0"/>
-              <a:t>2021-10-22</a:t>
+              <a:t>2021-10-29</a:t>
             </a:fld>
             <a:endParaRPr lang="ko-KR" altLang="en-US"/>
           </a:p>
@@ -7505,7 +7505,7 @@
           <a:p>
             <a:fld id="{C6CBE35F-5DB0-4705-BDD8-6E14DE5380AF}" type="datetimeFigureOut">
               <a:rPr lang="ko-KR" altLang="en-US" smtClean="0"/>
-              <a:t>2021-10-22</a:t>
+              <a:t>2021-10-29</a:t>
             </a:fld>
             <a:endParaRPr lang="ko-KR" altLang="en-US"/>
           </a:p>
@@ -7793,7 +7793,7 @@
           <a:p>
             <a:fld id="{C6CBE35F-5DB0-4705-BDD8-6E14DE5380AF}" type="datetimeFigureOut">
               <a:rPr lang="ko-KR" altLang="en-US" smtClean="0"/>
-              <a:t>2021-10-22</a:t>
+              <a:t>2021-10-29</a:t>
             </a:fld>
             <a:endParaRPr lang="ko-KR" altLang="en-US"/>
           </a:p>
@@ -8037,7 +8037,7 @@
           <a:p>
             <a:fld id="{C6CBE35F-5DB0-4705-BDD8-6E14DE5380AF}" type="datetimeFigureOut">
               <a:rPr lang="ko-KR" altLang="en-US" smtClean="0"/>
-              <a:t>2021-10-22</a:t>
+              <a:t>2021-10-29</a:t>
             </a:fld>
             <a:endParaRPr lang="ko-KR" altLang="en-US"/>
           </a:p>
@@ -13964,10 +13964,10 @@
       </p:sp>
       <p:grpSp>
         <p:nvGrpSpPr>
-          <p:cNvPr id="38" name="그룹 37">
+          <p:cNvPr id="12" name="그룹 11">
             <a:extLst>
               <a:ext uri="{FF2B5EF4-FFF2-40B4-BE49-F238E27FC236}">
-                <a16:creationId xmlns:a16="http://schemas.microsoft.com/office/drawing/2014/main" id="{CC62FDC9-22EB-475A-BB78-4FB29F61EB4E}"/>
+                <a16:creationId xmlns:a16="http://schemas.microsoft.com/office/drawing/2014/main" id="{36027055-73A8-42D2-B4D4-3501509CE9FA}"/>
               </a:ext>
             </a:extLst>
           </p:cNvPr>
@@ -13978,7 +13978,7 @@
           <a:xfrm>
             <a:off x="574839" y="204734"/>
             <a:ext cx="11451547" cy="6448531"/>
-            <a:chOff x="506746" y="166935"/>
+            <a:chOff x="574839" y="204734"/>
             <a:chExt cx="11451547" cy="6448531"/>
           </a:xfrm>
         </p:grpSpPr>
@@ -13992,7 +13992,7 @@
           </p:nvSpPr>
           <p:spPr>
             <a:xfrm>
-              <a:off x="506746" y="1948216"/>
+              <a:off x="574839" y="1986015"/>
               <a:ext cx="3347720" cy="4667250"/>
             </a:xfrm>
             <a:prstGeom prst="roundRect">
@@ -14058,7 +14058,7 @@
           </p:nvSpPr>
           <p:spPr>
             <a:xfrm>
-              <a:off x="643286" y="3940527"/>
+              <a:off x="711379" y="3978326"/>
               <a:ext cx="1396365" cy="890270"/>
             </a:xfrm>
             <a:prstGeom prst="roundRect">
@@ -14118,7 +14118,7 @@
           </p:nvSpPr>
           <p:spPr>
             <a:xfrm>
-              <a:off x="8603631" y="1934881"/>
+              <a:off x="8671724" y="1972680"/>
               <a:ext cx="3063240" cy="3890010"/>
             </a:xfrm>
             <a:prstGeom prst="roundRect">
@@ -14178,7 +14178,7 @@
           </p:nvSpPr>
           <p:spPr>
             <a:xfrm>
-              <a:off x="8850646" y="2993426"/>
+              <a:off x="8918739" y="3031225"/>
               <a:ext cx="1260475" cy="723265"/>
             </a:xfrm>
             <a:prstGeom prst="roundRect">
@@ -14238,7 +14238,7 @@
           </p:nvSpPr>
           <p:spPr>
             <a:xfrm>
-              <a:off x="8890016" y="3857661"/>
+              <a:off x="8958109" y="3895460"/>
               <a:ext cx="2449195" cy="723265"/>
             </a:xfrm>
             <a:prstGeom prst="roundRect">
@@ -14295,7 +14295,7 @@
           </p:nvSpPr>
           <p:spPr>
             <a:xfrm>
-              <a:off x="8892556" y="4777776"/>
+              <a:off x="8960649" y="4815575"/>
               <a:ext cx="2449195" cy="803275"/>
             </a:xfrm>
             <a:prstGeom prst="roundRect">
@@ -14355,7 +14355,7 @@
           </p:nvCxnSpPr>
           <p:spPr>
             <a:xfrm>
-              <a:off x="10945511" y="2348266"/>
+              <a:off x="11013604" y="2386065"/>
               <a:ext cx="635" cy="2430145"/>
             </a:xfrm>
             <a:prstGeom prst="straightConnector1">
@@ -14391,7 +14391,7 @@
           </p:nvCxnSpPr>
           <p:spPr>
             <a:xfrm>
-              <a:off x="10657856" y="2404781"/>
+              <a:off x="10725949" y="2442580"/>
               <a:ext cx="635" cy="1558290"/>
             </a:xfrm>
             <a:prstGeom prst="straightConnector1">
@@ -14427,8 +14427,8 @@
           </p:nvSpPr>
           <p:spPr>
             <a:xfrm>
-              <a:off x="4471686" y="990213"/>
-              <a:ext cx="3348355" cy="5625253"/>
+              <a:off x="4539779" y="1972680"/>
+              <a:ext cx="3348355" cy="4680585"/>
             </a:xfrm>
             <a:prstGeom prst="roundRect">
               <a:avLst>
@@ -14487,7 +14487,7 @@
           </p:nvSpPr>
           <p:spPr>
             <a:xfrm>
-              <a:off x="1163970" y="1565946"/>
+              <a:off x="1232063" y="1603745"/>
               <a:ext cx="2868295" cy="368935"/>
             </a:xfrm>
             <a:prstGeom prst="rect">
@@ -14543,7 +14543,7 @@
           </p:nvSpPr>
           <p:spPr>
             <a:xfrm>
-              <a:off x="5120656" y="425781"/>
+              <a:off x="5196498" y="1553308"/>
               <a:ext cx="1656080" cy="368935"/>
             </a:xfrm>
             <a:prstGeom prst="rect">
@@ -14585,7 +14585,7 @@
           </p:nvSpPr>
           <p:spPr>
             <a:xfrm>
-              <a:off x="9217676" y="1531021"/>
+              <a:off x="9285769" y="1568820"/>
               <a:ext cx="2693670" cy="368935"/>
             </a:xfrm>
             <a:prstGeom prst="rect">
@@ -14627,7 +14627,7 @@
           </p:nvSpPr>
           <p:spPr>
             <a:xfrm>
-              <a:off x="1060466" y="2143161"/>
+              <a:off x="1128559" y="2180960"/>
               <a:ext cx="2338705" cy="445770"/>
             </a:xfrm>
             <a:prstGeom prst="roundRect">
@@ -14698,7 +14698,7 @@
           </p:nvSpPr>
           <p:spPr>
             <a:xfrm>
-              <a:off x="2130105" y="2814991"/>
+              <a:off x="2198198" y="2852790"/>
               <a:ext cx="1395730" cy="2627630"/>
             </a:xfrm>
             <a:prstGeom prst="roundRect">
@@ -14758,7 +14758,7 @@
           </p:nvSpPr>
           <p:spPr>
             <a:xfrm>
-              <a:off x="2252025" y="2995966"/>
+              <a:off x="2320118" y="3033765"/>
               <a:ext cx="1153795" cy="569595"/>
             </a:xfrm>
             <a:prstGeom prst="roundRect">
@@ -14828,7 +14828,7 @@
           </p:nvSpPr>
           <p:spPr>
             <a:xfrm>
-              <a:off x="2242500" y="3829721"/>
+              <a:off x="2310593" y="3867520"/>
               <a:ext cx="1153795" cy="569595"/>
             </a:xfrm>
             <a:prstGeom prst="roundRect">
@@ -14898,7 +14898,7 @@
           </p:nvCxnSpPr>
           <p:spPr>
             <a:xfrm flipH="1">
-              <a:off x="2819080" y="3564926"/>
+              <a:off x="2887173" y="3602725"/>
               <a:ext cx="9525" cy="265430"/>
             </a:xfrm>
             <a:prstGeom prst="straightConnector1">
@@ -14932,7 +14932,7 @@
           </p:nvCxnSpPr>
           <p:spPr>
             <a:xfrm flipH="1">
-              <a:off x="2827970" y="2615601"/>
+              <a:off x="2896063" y="2653400"/>
               <a:ext cx="2540" cy="386080"/>
             </a:xfrm>
             <a:prstGeom prst="straightConnector1">
@@ -14968,7 +14968,7 @@
           </p:nvSpPr>
           <p:spPr>
             <a:xfrm>
-              <a:off x="4719638" y="1280177"/>
+              <a:off x="4787731" y="2166066"/>
               <a:ext cx="2825750" cy="463550"/>
             </a:xfrm>
             <a:prstGeom prst="roundRect">
@@ -15018,14 +15018,30 @@
                 <a:buNone/>
               </a:pPr>
               <a:r>
-                <a:rPr lang="ko-KR" altLang="en-US" b="1">
+                <a:rPr lang="ko-KR" altLang="en-US" b="1" dirty="0" err="1">
                   <a:solidFill>
                     <a:schemeClr val="tx1"/>
                   </a:solidFill>
                 </a:rPr>
-                <a:t>Admin DashBoard</a:t>
+                <a:t>Admin</a:t>
               </a:r>
-              <a:endParaRPr lang="ko-KR" altLang="en-US">
+              <a:r>
+                <a:rPr lang="ko-KR" altLang="en-US" b="1" dirty="0">
+                  <a:solidFill>
+                    <a:schemeClr val="tx1"/>
+                  </a:solidFill>
+                </a:rPr>
+                <a:t> </a:t>
+              </a:r>
+              <a:r>
+                <a:rPr lang="ko-KR" altLang="en-US" b="1" dirty="0" err="1">
+                  <a:solidFill>
+                    <a:schemeClr val="tx1"/>
+                  </a:solidFill>
+                </a:rPr>
+                <a:t>DashBoard</a:t>
+              </a:r>
+              <a:endParaRPr lang="ko-KR" altLang="en-US" dirty="0">
                 <a:solidFill>
                   <a:schemeClr val="tx1"/>
                 </a:solidFill>
@@ -15047,7 +15063,7 @@
           </p:nvSpPr>
           <p:spPr>
             <a:xfrm>
-              <a:off x="9210691" y="3957356"/>
+              <a:off x="9278784" y="3995155"/>
               <a:ext cx="1833245" cy="518160"/>
             </a:xfrm>
             <a:prstGeom prst="roundRect">
@@ -15114,7 +15130,7 @@
           </p:nvSpPr>
           <p:spPr>
             <a:xfrm>
-              <a:off x="4923171" y="2931196"/>
+              <a:off x="4991264" y="2968995"/>
               <a:ext cx="2392680" cy="848360"/>
             </a:xfrm>
             <a:prstGeom prst="roundRect">
@@ -15174,7 +15190,7 @@
           </p:nvSpPr>
           <p:spPr>
             <a:xfrm>
-              <a:off x="2231705" y="4798096"/>
+              <a:off x="2299798" y="4835895"/>
               <a:ext cx="1153795" cy="450850"/>
             </a:xfrm>
             <a:prstGeom prst="roundRect">
@@ -15252,7 +15268,7 @@
           </p:nvCxnSpPr>
           <p:spPr>
             <a:xfrm>
-              <a:off x="9301496" y="2487966"/>
+              <a:off x="9369589" y="2525765"/>
               <a:ext cx="635" cy="513080"/>
             </a:xfrm>
             <a:prstGeom prst="straightConnector1">
@@ -15278,136 +15294,6 @@
             </a:fontRef>
           </p:style>
         </p:cxnSp>
-        <p:sp>
-          <p:nvSpPr>
-            <p:cNvPr id="201" name="사각형: 둥근 모서리 200"/>
-            <p:cNvSpPr>
-              <a:spLocks/>
-            </p:cNvSpPr>
-            <p:nvPr/>
-          </p:nvSpPr>
-          <p:spPr>
-            <a:xfrm>
-              <a:off x="4946666" y="4136426"/>
-              <a:ext cx="2392045" cy="847725"/>
-            </a:xfrm>
-            <a:prstGeom prst="roundRect">
-              <a:avLst>
-                <a:gd name="adj" fmla="val 0"/>
-              </a:avLst>
-            </a:prstGeom>
-            <a:solidFill>
-              <a:schemeClr val="bg2"/>
-            </a:solidFill>
-            <a:ln w="12700" cap="flat" cmpd="sng">
-              <a:solidFill>
-                <a:srgbClr val="663300">
-                  <a:alpha val="100000"/>
-                </a:srgbClr>
-              </a:solidFill>
-              <a:prstDash val="solid"/>
-            </a:ln>
-          </p:spPr>
-          <p:style>
-            <a:lnRef idx="2">
-              <a:schemeClr val="accent1">
-                <a:shade val="50000"/>
-              </a:schemeClr>
-            </a:lnRef>
-            <a:fillRef idx="1">
-              <a:schemeClr val="accent1"/>
-            </a:fillRef>
-            <a:effectRef idx="0">
-              <a:schemeClr val="accent1"/>
-            </a:effectRef>
-            <a:fontRef idx="minor">
-              <a:schemeClr val="lt1"/>
-            </a:fontRef>
-          </p:style>
-          <p:txBody>
-            <a:bodyPr vert="horz" wrap="square" lIns="91440" tIns="45720" rIns="91440" bIns="45720" numCol="1" anchor="ctr">
-              <a:noAutofit/>
-            </a:bodyPr>
-            <a:lstStyle/>
-            <a:p>
-              <a:pPr marL="0" indent="0" algn="ctr" latinLnBrk="0">
-                <a:buFontTx/>
-                <a:buNone/>
-              </a:pPr>
-              <a:endParaRPr lang="ko-KR" altLang="en-US"/>
-            </a:p>
-          </p:txBody>
-        </p:sp>
-        <p:sp>
-          <p:nvSpPr>
-            <p:cNvPr id="202" name="사각형: 둥근 모서리 201"/>
-            <p:cNvSpPr>
-              <a:spLocks/>
-            </p:cNvSpPr>
-            <p:nvPr/>
-          </p:nvSpPr>
-          <p:spPr>
-            <a:xfrm>
-              <a:off x="5272421" y="4294541"/>
-              <a:ext cx="1789430" cy="553085"/>
-            </a:xfrm>
-            <a:prstGeom prst="roundRect">
-              <a:avLst>
-                <a:gd name="adj" fmla="val 0"/>
-              </a:avLst>
-            </a:prstGeom>
-            <a:solidFill>
-              <a:schemeClr val="accent2">
-                <a:lumMod val="40000"/>
-                <a:lumOff val="60000"/>
-              </a:schemeClr>
-            </a:solidFill>
-            <a:ln w="12700" cap="flat" cmpd="sng">
-              <a:solidFill>
-                <a:srgbClr val="663300">
-                  <a:alpha val="100000"/>
-                </a:srgbClr>
-              </a:solidFill>
-              <a:prstDash val="solid"/>
-            </a:ln>
-          </p:spPr>
-          <p:style>
-            <a:lnRef idx="2">
-              <a:schemeClr val="accent1">
-                <a:shade val="50000"/>
-              </a:schemeClr>
-            </a:lnRef>
-            <a:fillRef idx="1">
-              <a:schemeClr val="accent1"/>
-            </a:fillRef>
-            <a:effectRef idx="0">
-              <a:schemeClr val="accent1"/>
-            </a:effectRef>
-            <a:fontRef idx="minor">
-              <a:schemeClr val="lt1"/>
-            </a:fontRef>
-          </p:style>
-          <p:txBody>
-            <a:bodyPr vert="horz" wrap="square" lIns="91440" tIns="45720" rIns="91440" bIns="45720" numCol="1" anchor="ctr">
-              <a:noAutofit/>
-            </a:bodyPr>
-            <a:lstStyle/>
-            <a:p>
-              <a:pPr marL="0" indent="0" algn="ctr" latinLnBrk="0">
-                <a:buFontTx/>
-                <a:buNone/>
-              </a:pPr>
-              <a:r>
-                <a:rPr lang="ko-KR" altLang="en-US" sz="1400" b="1" dirty="0">
-                  <a:solidFill>
-                    <a:schemeClr val="tx1"/>
-                  </a:solidFill>
-                </a:rPr>
-                <a:t>원두 선호도 통계</a:t>
-              </a:r>
-            </a:p>
-          </p:txBody>
-        </p:sp>
         <p:cxnSp>
           <p:nvCxnSpPr>
             <p:cNvPr id="87" name="직선 화살표 연결선 86"/>
@@ -15419,7 +15305,7 @@
           </p:nvCxnSpPr>
           <p:spPr>
             <a:xfrm flipH="1">
-              <a:off x="2808285" y="4398681"/>
+              <a:off x="2876378" y="4436480"/>
               <a:ext cx="11430" cy="400050"/>
             </a:xfrm>
             <a:prstGeom prst="straightConnector1">
@@ -15459,7 +15345,7 @@
           </p:nvSpPr>
           <p:spPr>
             <a:xfrm>
-              <a:off x="8890016" y="2141891"/>
+              <a:off x="8958109" y="2179690"/>
               <a:ext cx="2449195" cy="511175"/>
             </a:xfrm>
             <a:prstGeom prst="roundRect">
@@ -15526,7 +15412,7 @@
           </p:nvCxnSpPr>
           <p:spPr>
             <a:xfrm flipH="1" flipV="1">
-              <a:off x="7073281" y="3233456"/>
+              <a:off x="7141374" y="3271255"/>
               <a:ext cx="1702435" cy="1905"/>
             </a:xfrm>
             <a:prstGeom prst="straightConnector1">
@@ -15574,7 +15460,7 @@
           </p:nvSpPr>
           <p:spPr>
             <a:xfrm>
-              <a:off x="7922276" y="3172496"/>
+              <a:off x="7990369" y="3210295"/>
               <a:ext cx="445135" cy="124460"/>
             </a:xfrm>
             <a:prstGeom prst="rect">
@@ -15627,7 +15513,7 @@
           </p:nvSpPr>
           <p:spPr>
             <a:xfrm>
-              <a:off x="5240036" y="3080421"/>
+              <a:off x="5308129" y="3118220"/>
               <a:ext cx="1833880" cy="553085"/>
             </a:xfrm>
             <a:prstGeom prst="roundRect">
@@ -15697,7 +15583,7 @@
           </p:nvCxnSpPr>
           <p:spPr>
             <a:xfrm>
-              <a:off x="7061851" y="3452531"/>
+              <a:off x="7129944" y="3490330"/>
               <a:ext cx="1754505" cy="2540"/>
             </a:xfrm>
             <a:prstGeom prst="straightConnector1">
@@ -15739,7 +15625,7 @@
           </p:nvSpPr>
           <p:spPr>
             <a:xfrm flipH="1">
-              <a:off x="7917196" y="3391570"/>
+              <a:off x="7985289" y="3429369"/>
               <a:ext cx="445770" cy="125095"/>
             </a:xfrm>
             <a:prstGeom prst="rect">
@@ -15796,7 +15682,7 @@
           </p:nvCxnSpPr>
           <p:spPr>
             <a:xfrm rot="10800000">
-              <a:off x="3405820" y="3251581"/>
+              <a:off x="3473913" y="3289380"/>
               <a:ext cx="5782646" cy="758191"/>
             </a:xfrm>
             <a:prstGeom prst="bentConnector3">
@@ -15840,7 +15726,7 @@
           </p:nvSpPr>
           <p:spPr>
             <a:xfrm>
-              <a:off x="7625096" y="3926083"/>
+              <a:off x="7693189" y="3963882"/>
               <a:ext cx="1013460" cy="132080"/>
             </a:xfrm>
             <a:prstGeom prst="rect">
@@ -15897,7 +15783,7 @@
           </p:nvSpPr>
           <p:spPr>
             <a:xfrm>
-              <a:off x="4953016" y="5407696"/>
+              <a:off x="5021109" y="5445495"/>
               <a:ext cx="2392045" cy="847725"/>
             </a:xfrm>
             <a:prstGeom prst="roundRect">
@@ -15957,7 +15843,7 @@
           </p:nvSpPr>
           <p:spPr>
             <a:xfrm>
-              <a:off x="5234321" y="5544856"/>
+              <a:off x="5302414" y="5582655"/>
               <a:ext cx="1850390" cy="518795"/>
             </a:xfrm>
             <a:prstGeom prst="roundRect">
@@ -16027,7 +15913,7 @@
           </p:nvCxnSpPr>
           <p:spPr>
             <a:xfrm flipV="1">
-              <a:off x="7365381" y="2397160"/>
+              <a:off x="7433474" y="2434959"/>
               <a:ext cx="3973830" cy="3517900"/>
             </a:xfrm>
             <a:prstGeom prst="bentConnector3">
@@ -16071,7 +15957,7 @@
           </p:nvSpPr>
           <p:spPr>
             <a:xfrm>
-              <a:off x="7886716" y="5849656"/>
+              <a:off x="7954809" y="5887455"/>
               <a:ext cx="617220" cy="142240"/>
             </a:xfrm>
             <a:prstGeom prst="rect">
@@ -16128,7 +16014,7 @@
           </p:nvSpPr>
           <p:spPr>
             <a:xfrm>
-              <a:off x="8971296" y="3068356"/>
+              <a:off x="9039389" y="3106155"/>
               <a:ext cx="1009650" cy="569595"/>
             </a:xfrm>
             <a:prstGeom prst="roundRect">
@@ -16198,7 +16084,7 @@
           </p:nvSpPr>
           <p:spPr>
             <a:xfrm>
-              <a:off x="10201291" y="2992156"/>
+              <a:off x="10269384" y="3029955"/>
               <a:ext cx="1242060" cy="723265"/>
             </a:xfrm>
             <a:prstGeom prst="roundRect">
@@ -16258,7 +16144,7 @@
           </p:nvSpPr>
           <p:spPr>
             <a:xfrm>
-              <a:off x="10321941" y="3067086"/>
+              <a:off x="10390034" y="3104885"/>
               <a:ext cx="995045" cy="569595"/>
             </a:xfrm>
             <a:prstGeom prst="roundRect">
@@ -16326,7 +16212,7 @@
           </p:nvCxnSpPr>
           <p:spPr>
             <a:xfrm>
-              <a:off x="10396236" y="2656241"/>
+              <a:off x="10464329" y="2694040"/>
               <a:ext cx="8890" cy="351155"/>
             </a:xfrm>
             <a:prstGeom prst="straightConnector1">
@@ -16362,7 +16248,7 @@
           </p:nvSpPr>
           <p:spPr>
             <a:xfrm>
-              <a:off x="9195451" y="4904141"/>
+              <a:off x="9263544" y="4941940"/>
               <a:ext cx="1836420" cy="518795"/>
             </a:xfrm>
             <a:prstGeom prst="roundRect">
@@ -16432,7 +16318,7 @@
           </p:nvCxnSpPr>
           <p:spPr>
             <a:xfrm>
-              <a:off x="3427303" y="5025107"/>
+              <a:off x="3495396" y="5062906"/>
               <a:ext cx="5393690" cy="200025"/>
             </a:xfrm>
             <a:prstGeom prst="bentConnector3">
@@ -16478,7 +16364,7 @@
           </p:nvCxnSpPr>
           <p:spPr>
             <a:xfrm rot="16200000" flipH="1">
-              <a:off x="3589503" y="4468045"/>
+              <a:off x="3657596" y="4505844"/>
               <a:ext cx="582613" cy="2144413"/>
             </a:xfrm>
             <a:prstGeom prst="bentConnector2">
@@ -16520,167 +16406,8 @@
           </p:nvSpPr>
           <p:spPr>
             <a:xfrm>
-              <a:off x="3323288" y="5769011"/>
+              <a:off x="3391381" y="5806810"/>
               <a:ext cx="1062355" cy="144780"/>
-            </a:xfrm>
-            <a:prstGeom prst="rect">
-              <a:avLst/>
-            </a:prstGeom>
-            <a:solidFill>
-              <a:srgbClr val="DFD855"/>
-            </a:solidFill>
-            <a:ln w="0">
-              <a:noFill/>
-              <a:prstDash/>
-            </a:ln>
-          </p:spPr>
-          <p:style>
-            <a:lnRef idx="2">
-              <a:schemeClr val="accent1">
-                <a:shade val="50000"/>
-              </a:schemeClr>
-            </a:lnRef>
-            <a:fillRef idx="1">
-              <a:schemeClr val="accent1"/>
-            </a:fillRef>
-            <a:effectRef idx="0">
-              <a:schemeClr val="accent1"/>
-            </a:effectRef>
-            <a:fontRef idx="minor">
-              <a:schemeClr val="lt1"/>
-            </a:fontRef>
-          </p:style>
-          <p:txBody>
-            <a:bodyPr vert="horz" wrap="square" lIns="91440" tIns="45720" rIns="91440" bIns="45720" numCol="1" anchor="ctr">
-              <a:noAutofit/>
-            </a:bodyPr>
-            <a:lstStyle/>
-            <a:p>
-              <a:pPr marL="0" indent="0" algn="ctr" latinLnBrk="0" hangingPunct="1">
-                <a:buFontTx/>
-                <a:buNone/>
-              </a:pPr>
-              <a:endParaRPr lang="ko-KR" altLang="en-US" sz="1800">
-                <a:latin typeface="나눔고딕" charset="0"/>
-                <a:ea typeface="나눔고딕" charset="0"/>
-              </a:endParaRPr>
-            </a:p>
-          </p:txBody>
-        </p:sp>
-        <p:cxnSp>
-          <p:nvCxnSpPr>
-            <p:cNvPr id="306" name="Double Arrow 63"/>
-            <p:cNvCxnSpPr>
-              <a:cxnSpLocks/>
-            </p:cNvCxnSpPr>
-            <p:nvPr/>
-          </p:nvCxnSpPr>
-          <p:spPr>
-            <a:xfrm flipV="1">
-              <a:off x="3562212" y="4223973"/>
-              <a:ext cx="1367790" cy="1904"/>
-            </a:xfrm>
-            <a:prstGeom prst="straightConnector1">
-              <a:avLst/>
-            </a:prstGeom>
-            <a:solidFill>
-              <a:srgbClr val="DDE4D8"/>
-            </a:solidFill>
-            <a:ln w="38100" cap="flat" cmpd="sng">
-              <a:solidFill>
-                <a:schemeClr val="accent2">
-                  <a:lumMod val="75000"/>
-                  <a:alpha val="100000"/>
-                </a:schemeClr>
-              </a:solidFill>
-              <a:prstDash val="dash"/>
-              <a:tailEnd type="triangle" w="med" len="med"/>
-            </a:ln>
-          </p:spPr>
-          <p:style>
-            <a:lnRef idx="1">
-              <a:schemeClr val="accent1"/>
-            </a:lnRef>
-            <a:fillRef idx="0">
-              <a:schemeClr val="accent1"/>
-            </a:fillRef>
-            <a:effectRef idx="0">
-              <a:schemeClr val="accent1"/>
-            </a:effectRef>
-            <a:fontRef idx="minor">
-              <a:schemeClr val="tx1"/>
-            </a:fontRef>
-          </p:style>
-        </p:cxnSp>
-        <p:cxnSp>
-          <p:nvCxnSpPr>
-            <p:cNvPr id="60" name="Double Arrow 63">
-              <a:extLst>
-                <a:ext uri="{FF2B5EF4-FFF2-40B4-BE49-F238E27FC236}">
-                  <a16:creationId xmlns:a16="http://schemas.microsoft.com/office/drawing/2014/main" id="{3825AD9A-501E-4181-8192-979AAEA0F61C}"/>
-                </a:ext>
-              </a:extLst>
-            </p:cNvPr>
-            <p:cNvCxnSpPr>
-              <a:cxnSpLocks/>
-            </p:cNvCxnSpPr>
-            <p:nvPr/>
-          </p:nvCxnSpPr>
-          <p:spPr>
-            <a:xfrm flipH="1">
-              <a:off x="3355991" y="4385981"/>
-              <a:ext cx="1597025" cy="0"/>
-            </a:xfrm>
-            <a:prstGeom prst="straightConnector1">
-              <a:avLst/>
-            </a:prstGeom>
-            <a:solidFill>
-              <a:srgbClr val="DDE4D8"/>
-            </a:solidFill>
-            <a:ln w="38100" cap="flat" cmpd="sng">
-              <a:solidFill>
-                <a:schemeClr val="accent2">
-                  <a:lumMod val="75000"/>
-                  <a:alpha val="100000"/>
-                </a:schemeClr>
-              </a:solidFill>
-              <a:prstDash val="dash"/>
-              <a:tailEnd type="triangle" w="med" len="med"/>
-            </a:ln>
-          </p:spPr>
-          <p:style>
-            <a:lnRef idx="1">
-              <a:schemeClr val="accent1"/>
-            </a:lnRef>
-            <a:fillRef idx="0">
-              <a:schemeClr val="accent1"/>
-            </a:fillRef>
-            <a:effectRef idx="0">
-              <a:schemeClr val="accent1"/>
-            </a:effectRef>
-            <a:fontRef idx="minor">
-              <a:schemeClr val="tx1"/>
-            </a:fontRef>
-          </p:style>
-        </p:cxnSp>
-        <p:sp>
-          <p:nvSpPr>
-            <p:cNvPr id="61" name="Rectangle 21">
-              <a:extLst>
-                <a:ext uri="{FF2B5EF4-FFF2-40B4-BE49-F238E27FC236}">
-                  <a16:creationId xmlns:a16="http://schemas.microsoft.com/office/drawing/2014/main" id="{250C1CA0-59C6-4E5F-B086-4A777ECCEE34}"/>
-                </a:ext>
-              </a:extLst>
-            </p:cNvPr>
-            <p:cNvSpPr>
-              <a:spLocks/>
-            </p:cNvSpPr>
-            <p:nvPr/>
-          </p:nvSpPr>
-          <p:spPr>
-            <a:xfrm flipH="1">
-              <a:off x="3959961" y="4172938"/>
-              <a:ext cx="445770" cy="125095"/>
             </a:xfrm>
             <a:prstGeom prst="rect">
               <a:avLst/>
@@ -16736,7 +16463,7 @@
           </p:nvSpPr>
           <p:spPr>
             <a:xfrm>
-              <a:off x="655034" y="2821094"/>
+              <a:off x="723127" y="2858893"/>
               <a:ext cx="1396365" cy="890270"/>
             </a:xfrm>
             <a:prstGeom prst="roundRect">
@@ -16786,69 +16513,6 @@
             </a:p>
           </p:txBody>
         </p:sp>
-        <p:sp>
-          <p:nvSpPr>
-            <p:cNvPr id="62" name="Rectangle 21">
-              <a:extLst>
-                <a:ext uri="{FF2B5EF4-FFF2-40B4-BE49-F238E27FC236}">
-                  <a16:creationId xmlns:a16="http://schemas.microsoft.com/office/drawing/2014/main" id="{E2CEA498-51C5-4255-A578-37B59E2C28E7}"/>
-                </a:ext>
-              </a:extLst>
-            </p:cNvPr>
-            <p:cNvSpPr>
-              <a:spLocks/>
-            </p:cNvSpPr>
-            <p:nvPr/>
-          </p:nvSpPr>
-          <p:spPr>
-            <a:xfrm flipH="1">
-              <a:off x="3959961" y="4323115"/>
-              <a:ext cx="445770" cy="125095"/>
-            </a:xfrm>
-            <a:prstGeom prst="rect">
-              <a:avLst/>
-            </a:prstGeom>
-            <a:solidFill>
-              <a:srgbClr val="DFD855"/>
-            </a:solidFill>
-            <a:ln w="0">
-              <a:noFill/>
-              <a:prstDash/>
-            </a:ln>
-          </p:spPr>
-          <p:style>
-            <a:lnRef idx="2">
-              <a:schemeClr val="accent1">
-                <a:shade val="50000"/>
-              </a:schemeClr>
-            </a:lnRef>
-            <a:fillRef idx="1">
-              <a:schemeClr val="accent1"/>
-            </a:fillRef>
-            <a:effectRef idx="0">
-              <a:schemeClr val="accent1"/>
-            </a:effectRef>
-            <a:fontRef idx="minor">
-              <a:schemeClr val="lt1"/>
-            </a:fontRef>
-          </p:style>
-          <p:txBody>
-            <a:bodyPr vert="horz" wrap="square" lIns="91440" tIns="45720" rIns="91440" bIns="45720" numCol="1" anchor="ctr">
-              <a:noAutofit/>
-            </a:bodyPr>
-            <a:lstStyle/>
-            <a:p>
-              <a:pPr marL="0" indent="0" algn="ctr" latinLnBrk="0" hangingPunct="1">
-                <a:buFontTx/>
-                <a:buNone/>
-              </a:pPr>
-              <a:endParaRPr lang="ko-KR" altLang="en-US" sz="1800">
-                <a:latin typeface="나눔고딕" charset="0"/>
-                <a:ea typeface="나눔고딕" charset="0"/>
-              </a:endParaRPr>
-            </a:p>
-          </p:txBody>
-        </p:sp>
         <p:cxnSp>
           <p:nvCxnSpPr>
             <p:cNvPr id="74" name="직선 화살표 연결선 73">
@@ -16865,7 +16529,7 @@
           </p:nvCxnSpPr>
           <p:spPr>
             <a:xfrm>
-              <a:off x="1679255" y="2588931"/>
+              <a:off x="1747348" y="2626730"/>
               <a:ext cx="0" cy="1509946"/>
             </a:xfrm>
             <a:prstGeom prst="straightConnector1">
@@ -16905,7 +16569,7 @@
           </p:nvGrpSpPr>
           <p:grpSpPr>
             <a:xfrm>
-              <a:off x="8754083" y="166935"/>
+              <a:off x="8822176" y="204734"/>
               <a:ext cx="3204210" cy="1276456"/>
               <a:chOff x="8689340" y="4675505"/>
               <a:chExt cx="3204210" cy="1402868"/>
@@ -17206,7 +16870,7 @@
           </p:nvSpPr>
           <p:spPr>
             <a:xfrm>
-              <a:off x="4706068" y="5171741"/>
+              <a:off x="4774161" y="5209540"/>
               <a:ext cx="1062355" cy="144780"/>
             </a:xfrm>
             <a:prstGeom prst="rect">
@@ -17269,7 +16933,7 @@
           </p:nvSpPr>
           <p:spPr>
             <a:xfrm>
-              <a:off x="751871" y="4108167"/>
+              <a:off x="819964" y="4145966"/>
               <a:ext cx="1195354" cy="569595"/>
             </a:xfrm>
             <a:prstGeom prst="roundRect">
@@ -17342,7 +17006,7 @@
           </p:nvCxnSpPr>
           <p:spPr>
             <a:xfrm>
-              <a:off x="1332579" y="2602019"/>
+              <a:off x="1400672" y="2639818"/>
               <a:ext cx="8890" cy="393065"/>
             </a:xfrm>
             <a:prstGeom prst="straightConnector1">
@@ -17378,7 +17042,7 @@
           </p:nvSpPr>
           <p:spPr>
             <a:xfrm>
-              <a:off x="767269" y="3014859"/>
+              <a:off x="835362" y="3052658"/>
               <a:ext cx="1144905" cy="569595"/>
             </a:xfrm>
             <a:prstGeom prst="roundRect">
@@ -17454,7 +17118,7 @@
           </p:nvSpPr>
           <p:spPr>
             <a:xfrm>
-              <a:off x="4914487" y="1896762"/>
+              <a:off x="4991264" y="4166155"/>
               <a:ext cx="2392680" cy="848360"/>
             </a:xfrm>
             <a:prstGeom prst="roundRect">
@@ -17504,102 +17168,6 @@
             </a:p>
           </p:txBody>
         </p:sp>
-        <p:cxnSp>
-          <p:nvCxnSpPr>
-            <p:cNvPr id="86" name="Elbow Double Arrow Connector 43">
-              <a:extLst>
-                <a:ext uri="{FF2B5EF4-FFF2-40B4-BE49-F238E27FC236}">
-                  <a16:creationId xmlns:a16="http://schemas.microsoft.com/office/drawing/2014/main" id="{B8A36672-1AD2-4F37-BEB5-26506E100835}"/>
-                </a:ext>
-              </a:extLst>
-            </p:cNvPr>
-            <p:cNvCxnSpPr>
-              <a:cxnSpLocks/>
-            </p:cNvCxnSpPr>
-            <p:nvPr/>
-          </p:nvCxnSpPr>
-          <p:spPr>
-            <a:xfrm rot="10800000" flipV="1">
-              <a:off x="743862" y="1381724"/>
-              <a:ext cx="3231255" cy="2943639"/>
-            </a:xfrm>
-            <a:prstGeom prst="bentConnector3">
-              <a:avLst>
-                <a:gd name="adj1" fmla="val 116833"/>
-              </a:avLst>
-            </a:prstGeom>
-            <a:ln w="38100" cap="flat" cmpd="sng">
-              <a:solidFill>
-                <a:schemeClr val="accent2">
-                  <a:lumMod val="75000"/>
-                  <a:alpha val="100000"/>
-                </a:schemeClr>
-              </a:solidFill>
-              <a:prstDash val="dash"/>
-              <a:tailEnd type="triangle" w="med" len="med"/>
-            </a:ln>
-          </p:spPr>
-          <p:style>
-            <a:lnRef idx="1">
-              <a:schemeClr val="accent1"/>
-            </a:lnRef>
-            <a:fillRef idx="0">
-              <a:schemeClr val="accent1"/>
-            </a:fillRef>
-            <a:effectRef idx="0">
-              <a:schemeClr val="accent1"/>
-            </a:effectRef>
-            <a:fontRef idx="minor">
-              <a:schemeClr val="tx1"/>
-            </a:fontRef>
-          </p:style>
-        </p:cxnSp>
-        <p:cxnSp>
-          <p:nvCxnSpPr>
-            <p:cNvPr id="36" name="연결선: 꺾임 35">
-              <a:extLst>
-                <a:ext uri="{FF2B5EF4-FFF2-40B4-BE49-F238E27FC236}">
-                  <a16:creationId xmlns:a16="http://schemas.microsoft.com/office/drawing/2014/main" id="{8C9723AE-DE9E-432C-A14A-4476423ADEB1}"/>
-                </a:ext>
-              </a:extLst>
-            </p:cNvPr>
-            <p:cNvCxnSpPr>
-              <a:cxnSpLocks/>
-            </p:cNvCxnSpPr>
-            <p:nvPr/>
-          </p:nvCxnSpPr>
-          <p:spPr>
-            <a:xfrm>
-              <a:off x="4062729" y="1385403"/>
-              <a:ext cx="1271391" cy="940806"/>
-            </a:xfrm>
-            <a:prstGeom prst="bentConnector3">
-              <a:avLst>
-                <a:gd name="adj1" fmla="val 23986"/>
-              </a:avLst>
-            </a:prstGeom>
-            <a:ln w="38100">
-              <a:solidFill>
-                <a:srgbClr val="C00000"/>
-              </a:solidFill>
-              <a:prstDash val="dash"/>
-            </a:ln>
-          </p:spPr>
-          <p:style>
-            <a:lnRef idx="1">
-              <a:schemeClr val="accent1"/>
-            </a:lnRef>
-            <a:fillRef idx="0">
-              <a:schemeClr val="accent1"/>
-            </a:fillRef>
-            <a:effectRef idx="0">
-              <a:schemeClr val="accent1"/>
-            </a:effectRef>
-            <a:fontRef idx="minor">
-              <a:schemeClr val="tx1"/>
-            </a:fontRef>
-          </p:style>
-        </p:cxnSp>
         <p:sp>
           <p:nvSpPr>
             <p:cNvPr id="83" name="사각형: 둥근 모서리 82">
@@ -17616,7 +17184,7 @@
           </p:nvSpPr>
           <p:spPr>
             <a:xfrm>
-              <a:off x="5231352" y="2045987"/>
+              <a:off x="5308129" y="4315380"/>
               <a:ext cx="1833880" cy="553085"/>
             </a:xfrm>
             <a:prstGeom prst="roundRect">
@@ -17681,6 +17249,54 @@
             </a:p>
           </p:txBody>
         </p:sp>
+        <p:cxnSp>
+          <p:nvCxnSpPr>
+            <p:cNvPr id="72" name="직선 화살표 연결선 71">
+              <a:extLst>
+                <a:ext uri="{FF2B5EF4-FFF2-40B4-BE49-F238E27FC236}">
+                  <a16:creationId xmlns:a16="http://schemas.microsoft.com/office/drawing/2014/main" id="{75D94511-CE28-4AFC-BA82-1B96AC2B4F74}"/>
+                </a:ext>
+              </a:extLst>
+            </p:cNvPr>
+            <p:cNvCxnSpPr>
+              <a:cxnSpLocks/>
+            </p:cNvCxnSpPr>
+            <p:nvPr/>
+          </p:nvCxnSpPr>
+          <p:spPr>
+            <a:xfrm flipH="1" flipV="1">
+              <a:off x="2035638" y="4595142"/>
+              <a:ext cx="3279074" cy="1"/>
+            </a:xfrm>
+            <a:prstGeom prst="straightConnector1">
+              <a:avLst/>
+            </a:prstGeom>
+            <a:ln w="38100" cap="flat" cmpd="sng">
+              <a:solidFill>
+                <a:schemeClr val="accent2">
+                  <a:lumMod val="75000"/>
+                  <a:alpha val="100000"/>
+                </a:schemeClr>
+              </a:solidFill>
+              <a:prstDash val="dash"/>
+              <a:tailEnd type="triangle" w="med" len="med"/>
+            </a:ln>
+          </p:spPr>
+          <p:style>
+            <a:lnRef idx="1">
+              <a:schemeClr val="accent1"/>
+            </a:lnRef>
+            <a:fillRef idx="0">
+              <a:schemeClr val="accent1"/>
+            </a:fillRef>
+            <a:effectRef idx="0">
+              <a:schemeClr val="accent1"/>
+            </a:effectRef>
+            <a:fontRef idx="minor">
+              <a:schemeClr val="tx1"/>
+            </a:fontRef>
+          </p:style>
+        </p:cxnSp>
         <p:sp>
           <p:nvSpPr>
             <p:cNvPr id="95" name="Rectangle 40">
@@ -17697,7 +17313,7 @@
           </p:nvSpPr>
           <p:spPr>
             <a:xfrm>
-              <a:off x="2180606" y="1301650"/>
+              <a:off x="3719536" y="4495925"/>
               <a:ext cx="1062355" cy="144780"/>
             </a:xfrm>
             <a:prstGeom prst="rect">

--- a/9-project/진행 파일/주간 커-피_진행.pptx
+++ b/9-project/진행 파일/주간 커-피_진행.pptx
@@ -233,7 +233,7 @@
           <a:p>
             <a:fld id="{33BC4233-E253-4715-990C-E546A8AAD7A9}" type="datetimeFigureOut">
               <a:rPr lang="ko-KR" altLang="en-US" smtClean="0"/>
-              <a:t>2021-10-29</a:t>
+              <a:t>2021-11-01</a:t>
             </a:fld>
             <a:endParaRPr lang="ko-KR" altLang="en-US"/>
           </a:p>
@@ -5384,7 +5384,7 @@
           <a:p>
             <a:fld id="{C6CBE35F-5DB0-4705-BDD8-6E14DE5380AF}" type="datetimeFigureOut">
               <a:rPr lang="ko-KR" altLang="en-US" smtClean="0"/>
-              <a:t>2021-10-29</a:t>
+              <a:t>2021-11-01</a:t>
             </a:fld>
             <a:endParaRPr lang="ko-KR" altLang="en-US"/>
           </a:p>
@@ -5582,7 +5582,7 @@
           <a:p>
             <a:fld id="{C6CBE35F-5DB0-4705-BDD8-6E14DE5380AF}" type="datetimeFigureOut">
               <a:rPr lang="ko-KR" altLang="en-US" smtClean="0"/>
-              <a:t>2021-10-29</a:t>
+              <a:t>2021-11-01</a:t>
             </a:fld>
             <a:endParaRPr lang="ko-KR" altLang="en-US"/>
           </a:p>
@@ -5790,7 +5790,7 @@
           <a:p>
             <a:fld id="{C6CBE35F-5DB0-4705-BDD8-6E14DE5380AF}" type="datetimeFigureOut">
               <a:rPr lang="ko-KR" altLang="en-US" smtClean="0"/>
-              <a:t>2021-10-29</a:t>
+              <a:t>2021-11-01</a:t>
             </a:fld>
             <a:endParaRPr lang="ko-KR" altLang="en-US"/>
           </a:p>
@@ -5988,7 +5988,7 @@
           <a:p>
             <a:fld id="{C6CBE35F-5DB0-4705-BDD8-6E14DE5380AF}" type="datetimeFigureOut">
               <a:rPr lang="ko-KR" altLang="en-US" smtClean="0"/>
-              <a:t>2021-10-29</a:t>
+              <a:t>2021-11-01</a:t>
             </a:fld>
             <a:endParaRPr lang="ko-KR" altLang="en-US"/>
           </a:p>
@@ -6263,7 +6263,7 @@
           <a:p>
             <a:fld id="{C6CBE35F-5DB0-4705-BDD8-6E14DE5380AF}" type="datetimeFigureOut">
               <a:rPr lang="ko-KR" altLang="en-US" smtClean="0"/>
-              <a:t>2021-10-29</a:t>
+              <a:t>2021-11-01</a:t>
             </a:fld>
             <a:endParaRPr lang="ko-KR" altLang="en-US"/>
           </a:p>
@@ -6528,7 +6528,7 @@
           <a:p>
             <a:fld id="{C6CBE35F-5DB0-4705-BDD8-6E14DE5380AF}" type="datetimeFigureOut">
               <a:rPr lang="ko-KR" altLang="en-US" smtClean="0"/>
-              <a:t>2021-10-29</a:t>
+              <a:t>2021-11-01</a:t>
             </a:fld>
             <a:endParaRPr lang="ko-KR" altLang="en-US"/>
           </a:p>
@@ -6940,7 +6940,7 @@
           <a:p>
             <a:fld id="{C6CBE35F-5DB0-4705-BDD8-6E14DE5380AF}" type="datetimeFigureOut">
               <a:rPr lang="ko-KR" altLang="en-US" smtClean="0"/>
-              <a:t>2021-10-29</a:t>
+              <a:t>2021-11-01</a:t>
             </a:fld>
             <a:endParaRPr lang="ko-KR" altLang="en-US"/>
           </a:p>
@@ -7081,7 +7081,7 @@
           <a:p>
             <a:fld id="{C6CBE35F-5DB0-4705-BDD8-6E14DE5380AF}" type="datetimeFigureOut">
               <a:rPr lang="ko-KR" altLang="en-US" smtClean="0"/>
-              <a:t>2021-10-29</a:t>
+              <a:t>2021-11-01</a:t>
             </a:fld>
             <a:endParaRPr lang="ko-KR" altLang="en-US"/>
           </a:p>
@@ -7194,7 +7194,7 @@
           <a:p>
             <a:fld id="{C6CBE35F-5DB0-4705-BDD8-6E14DE5380AF}" type="datetimeFigureOut">
               <a:rPr lang="ko-KR" altLang="en-US" smtClean="0"/>
-              <a:t>2021-10-29</a:t>
+              <a:t>2021-11-01</a:t>
             </a:fld>
             <a:endParaRPr lang="ko-KR" altLang="en-US"/>
           </a:p>
@@ -7505,7 +7505,7 @@
           <a:p>
             <a:fld id="{C6CBE35F-5DB0-4705-BDD8-6E14DE5380AF}" type="datetimeFigureOut">
               <a:rPr lang="ko-KR" altLang="en-US" smtClean="0"/>
-              <a:t>2021-10-29</a:t>
+              <a:t>2021-11-01</a:t>
             </a:fld>
             <a:endParaRPr lang="ko-KR" altLang="en-US"/>
           </a:p>
@@ -7793,7 +7793,7 @@
           <a:p>
             <a:fld id="{C6CBE35F-5DB0-4705-BDD8-6E14DE5380AF}" type="datetimeFigureOut">
               <a:rPr lang="ko-KR" altLang="en-US" smtClean="0"/>
-              <a:t>2021-10-29</a:t>
+              <a:t>2021-11-01</a:t>
             </a:fld>
             <a:endParaRPr lang="ko-KR" altLang="en-US"/>
           </a:p>
@@ -8037,7 +8037,7 @@
           <a:p>
             <a:fld id="{C6CBE35F-5DB0-4705-BDD8-6E14DE5380AF}" type="datetimeFigureOut">
               <a:rPr lang="ko-KR" altLang="en-US" smtClean="0"/>
-              <a:t>2021-10-29</a:t>
+              <a:t>2021-11-01</a:t>
             </a:fld>
             <a:endParaRPr lang="ko-KR" altLang="en-US"/>
           </a:p>
@@ -16988,7 +16988,7 @@
                     <a:schemeClr val="tx1"/>
                   </a:solidFill>
                 </a:rPr>
-                <a:t>Contact us</a:t>
+                <a:t>Notice</a:t>
               </a:r>
               <a:endParaRPr lang="ko-KR" altLang="en-US" sz="1500" b="1" dirty="0">
                 <a:solidFill>
